--- a/Final/StoryBoard.pptx
+++ b/Final/StoryBoard.pptx
@@ -105,6 +105,11 @@
       </a:defRPr>
     </a:lvl9pPr>
   </p:defaultTextStyle>
+  <p:extLst>
+    <p:ext uri="{EFAFB233-063F-42B5-8137-9DF3F51BA10A}">
+      <p15:sldGuideLst xmlns:p15="http://schemas.microsoft.com/office/powerpoint/2012/main"/>
+    </p:ext>
+  </p:extLst>
 </p:presentation>
 </file>
 
@@ -259,7 +264,7 @@
           <a:p>
             <a:fld id="{6E2F8286-4232-40FF-B759-FD0E1E0CEC03}" type="datetimeFigureOut">
               <a:rPr lang="en-US" smtClean="0"/>
-              <a:t>8/1/2017</a:t>
+              <a:t>8/3/2017</a:t>
             </a:fld>
             <a:endParaRPr lang="en-US"/>
           </a:p>
@@ -457,7 +462,7 @@
           <a:p>
             <a:fld id="{6E2F8286-4232-40FF-B759-FD0E1E0CEC03}" type="datetimeFigureOut">
               <a:rPr lang="en-US" smtClean="0"/>
-              <a:t>8/1/2017</a:t>
+              <a:t>8/3/2017</a:t>
             </a:fld>
             <a:endParaRPr lang="en-US"/>
           </a:p>
@@ -665,7 +670,7 @@
           <a:p>
             <a:fld id="{6E2F8286-4232-40FF-B759-FD0E1E0CEC03}" type="datetimeFigureOut">
               <a:rPr lang="en-US" smtClean="0"/>
-              <a:t>8/1/2017</a:t>
+              <a:t>8/3/2017</a:t>
             </a:fld>
             <a:endParaRPr lang="en-US"/>
           </a:p>
@@ -863,7 +868,7 @@
           <a:p>
             <a:fld id="{6E2F8286-4232-40FF-B759-FD0E1E0CEC03}" type="datetimeFigureOut">
               <a:rPr lang="en-US" smtClean="0"/>
-              <a:t>8/1/2017</a:t>
+              <a:t>8/3/2017</a:t>
             </a:fld>
             <a:endParaRPr lang="en-US"/>
           </a:p>
@@ -1138,7 +1143,7 @@
           <a:p>
             <a:fld id="{6E2F8286-4232-40FF-B759-FD0E1E0CEC03}" type="datetimeFigureOut">
               <a:rPr lang="en-US" smtClean="0"/>
-              <a:t>8/1/2017</a:t>
+              <a:t>8/3/2017</a:t>
             </a:fld>
             <a:endParaRPr lang="en-US"/>
           </a:p>
@@ -1403,7 +1408,7 @@
           <a:p>
             <a:fld id="{6E2F8286-4232-40FF-B759-FD0E1E0CEC03}" type="datetimeFigureOut">
               <a:rPr lang="en-US" smtClean="0"/>
-              <a:t>8/1/2017</a:t>
+              <a:t>8/3/2017</a:t>
             </a:fld>
             <a:endParaRPr lang="en-US"/>
           </a:p>
@@ -1815,7 +1820,7 @@
           <a:p>
             <a:fld id="{6E2F8286-4232-40FF-B759-FD0E1E0CEC03}" type="datetimeFigureOut">
               <a:rPr lang="en-US" smtClean="0"/>
-              <a:t>8/1/2017</a:t>
+              <a:t>8/3/2017</a:t>
             </a:fld>
             <a:endParaRPr lang="en-US"/>
           </a:p>
@@ -1956,7 +1961,7 @@
           <a:p>
             <a:fld id="{6E2F8286-4232-40FF-B759-FD0E1E0CEC03}" type="datetimeFigureOut">
               <a:rPr lang="en-US" smtClean="0"/>
-              <a:t>8/1/2017</a:t>
+              <a:t>8/3/2017</a:t>
             </a:fld>
             <a:endParaRPr lang="en-US"/>
           </a:p>
@@ -2069,7 +2074,7 @@
           <a:p>
             <a:fld id="{6E2F8286-4232-40FF-B759-FD0E1E0CEC03}" type="datetimeFigureOut">
               <a:rPr lang="en-US" smtClean="0"/>
-              <a:t>8/1/2017</a:t>
+              <a:t>8/3/2017</a:t>
             </a:fld>
             <a:endParaRPr lang="en-US"/>
           </a:p>
@@ -2380,7 +2385,7 @@
           <a:p>
             <a:fld id="{6E2F8286-4232-40FF-B759-FD0E1E0CEC03}" type="datetimeFigureOut">
               <a:rPr lang="en-US" smtClean="0"/>
-              <a:t>8/1/2017</a:t>
+              <a:t>8/3/2017</a:t>
             </a:fld>
             <a:endParaRPr lang="en-US"/>
           </a:p>
@@ -2668,7 +2673,7 @@
           <a:p>
             <a:fld id="{6E2F8286-4232-40FF-B759-FD0E1E0CEC03}" type="datetimeFigureOut">
               <a:rPr lang="en-US" smtClean="0"/>
-              <a:t>8/1/2017</a:t>
+              <a:t>8/3/2017</a:t>
             </a:fld>
             <a:endParaRPr lang="en-US"/>
           </a:p>
@@ -2909,7 +2914,7 @@
           <a:p>
             <a:fld id="{6E2F8286-4232-40FF-B759-FD0E1E0CEC03}" type="datetimeFigureOut">
               <a:rPr lang="en-US" smtClean="0"/>
-              <a:t>8/1/2017</a:t>
+              <a:t>8/3/2017</a:t>
             </a:fld>
             <a:endParaRPr lang="en-US"/>
           </a:p>
@@ -3363,10 +3368,10 @@
       </p:sp>
       <p:pic>
         <p:nvPicPr>
-          <p:cNvPr id="5" name="Picture 4" descr="NFL Draft">
-            <a:extLst>
-              <a:ext uri="{FF2B5EF4-FFF2-40B4-BE49-F238E27FC236}">
-                <a16:creationId xmlns:a16="http://schemas.microsoft.com/office/drawing/2014/main" id="{FAD52FF1-364B-49A6-82C5-22829EDE6C81}"/>
+          <p:cNvPr id="4" name="Picture 3" descr="NFL Draft">
+            <a:extLst>
+              <a:ext uri="{FF2B5EF4-FFF2-40B4-BE49-F238E27FC236}">
+                <a16:creationId xmlns:a16="http://schemas.microsoft.com/office/drawing/2014/main" id="{8511BCAA-B052-4FF6-B79E-3C64FD2BFAFB}"/>
               </a:ext>
             </a:extLst>
           </p:cNvPr>
@@ -3389,8 +3394,8 @@
         </p:blipFill>
         <p:spPr>
           <a:xfrm>
-            <a:off x="1679415" y="1049791"/>
-            <a:ext cx="8833170" cy="5725561"/>
+            <a:off x="0" y="1223641"/>
+            <a:ext cx="12192000" cy="5589006"/>
           </a:xfrm>
           <a:prstGeom prst="rect">
             <a:avLst/>
@@ -3463,10 +3468,10 @@
       </p:sp>
       <p:pic>
         <p:nvPicPr>
-          <p:cNvPr id="5" name="Picture 4" descr="NFL Draft">
-            <a:extLst>
-              <a:ext uri="{FF2B5EF4-FFF2-40B4-BE49-F238E27FC236}">
-                <a16:creationId xmlns:a16="http://schemas.microsoft.com/office/drawing/2014/main" id="{DDB3B684-6777-4DB8-B580-D979545117C6}"/>
+          <p:cNvPr id="4" name="Picture 3" descr="NFL Draft">
+            <a:extLst>
+              <a:ext uri="{FF2B5EF4-FFF2-40B4-BE49-F238E27FC236}">
+                <a16:creationId xmlns:a16="http://schemas.microsoft.com/office/drawing/2014/main" id="{7A12C012-A7B2-42CA-8769-D1E6807741C4}"/>
               </a:ext>
             </a:extLst>
           </p:cNvPr>
@@ -3489,8 +3494,8 @@
         </p:blipFill>
         <p:spPr>
           <a:xfrm>
-            <a:off x="1851248" y="1269283"/>
-            <a:ext cx="8489503" cy="5502800"/>
+            <a:off x="0" y="1202836"/>
+            <a:ext cx="12192000" cy="5589006"/>
           </a:xfrm>
           <a:prstGeom prst="rect">
             <a:avLst/>
